--- a/Dart/01/Slide.pptx
+++ b/Dart/01/Slide.pptx
@@ -221,7 +221,7 @@
           <a:p>
             <a:fld id="{D3062358-397A-4C4F-BBDD-8E01AF4060ED}" type="datetimeFigureOut">
               <a:rPr lang="en-US" smtClean="0"/>
-              <a:t>11/2/2022</a:t>
+              <a:t>12/12/2022</a:t>
             </a:fld>
             <a:endParaRPr lang="en-US"/>
           </a:p>
@@ -752,7 +752,7 @@
             <a:fld id="{1D8BD707-D9CF-40AE-B4C6-C98DA3205C09}" type="datetimeFigureOut">
               <a:rPr lang="en-US" smtClean="0"/>
               <a:pPr/>
-              <a:t>11/2/2022</a:t>
+              <a:t>12/12/2022</a:t>
             </a:fld>
             <a:endParaRPr lang="en-US"/>
           </a:p>
@@ -917,7 +917,7 @@
             <a:fld id="{1D8BD707-D9CF-40AE-B4C6-C98DA3205C09}" type="datetimeFigureOut">
               <a:rPr lang="en-US" smtClean="0"/>
               <a:pPr/>
-              <a:t>11/2/2022</a:t>
+              <a:t>12/12/2022</a:t>
             </a:fld>
             <a:endParaRPr lang="en-US"/>
           </a:p>
@@ -1092,7 +1092,7 @@
             <a:fld id="{1D8BD707-D9CF-40AE-B4C6-C98DA3205C09}" type="datetimeFigureOut">
               <a:rPr lang="en-US" smtClean="0"/>
               <a:pPr/>
-              <a:t>11/2/2022</a:t>
+              <a:t>12/12/2022</a:t>
             </a:fld>
             <a:endParaRPr lang="en-US"/>
           </a:p>
@@ -1257,7 +1257,7 @@
             <a:fld id="{1D8BD707-D9CF-40AE-B4C6-C98DA3205C09}" type="datetimeFigureOut">
               <a:rPr lang="en-US" smtClean="0"/>
               <a:pPr/>
-              <a:t>11/2/2022</a:t>
+              <a:t>12/12/2022</a:t>
             </a:fld>
             <a:endParaRPr lang="en-US"/>
           </a:p>
@@ -1499,7 +1499,7 @@
             <a:fld id="{1D8BD707-D9CF-40AE-B4C6-C98DA3205C09}" type="datetimeFigureOut">
               <a:rPr lang="en-US" smtClean="0"/>
               <a:pPr/>
-              <a:t>11/2/2022</a:t>
+              <a:t>12/12/2022</a:t>
             </a:fld>
             <a:endParaRPr lang="en-US"/>
           </a:p>
@@ -1781,7 +1781,7 @@
             <a:fld id="{1D8BD707-D9CF-40AE-B4C6-C98DA3205C09}" type="datetimeFigureOut">
               <a:rPr lang="en-US" smtClean="0"/>
               <a:pPr/>
-              <a:t>11/2/2022</a:t>
+              <a:t>12/12/2022</a:t>
             </a:fld>
             <a:endParaRPr lang="en-US"/>
           </a:p>
@@ -2197,7 +2197,7 @@
             <a:fld id="{1D8BD707-D9CF-40AE-B4C6-C98DA3205C09}" type="datetimeFigureOut">
               <a:rPr lang="en-US" smtClean="0"/>
               <a:pPr/>
-              <a:t>11/2/2022</a:t>
+              <a:t>12/12/2022</a:t>
             </a:fld>
             <a:endParaRPr lang="en-US"/>
           </a:p>
@@ -2311,7 +2311,7 @@
             <a:fld id="{1D8BD707-D9CF-40AE-B4C6-C98DA3205C09}" type="datetimeFigureOut">
               <a:rPr lang="en-US" smtClean="0"/>
               <a:pPr/>
-              <a:t>11/2/2022</a:t>
+              <a:t>12/12/2022</a:t>
             </a:fld>
             <a:endParaRPr lang="en-US"/>
           </a:p>
@@ -2403,7 +2403,7 @@
             <a:fld id="{1D8BD707-D9CF-40AE-B4C6-C98DA3205C09}" type="datetimeFigureOut">
               <a:rPr lang="en-US" smtClean="0"/>
               <a:pPr/>
-              <a:t>11/2/2022</a:t>
+              <a:t>12/12/2022</a:t>
             </a:fld>
             <a:endParaRPr lang="en-US"/>
           </a:p>
@@ -2675,7 +2675,7 @@
             <a:fld id="{1D8BD707-D9CF-40AE-B4C6-C98DA3205C09}" type="datetimeFigureOut">
               <a:rPr lang="en-US" smtClean="0"/>
               <a:pPr/>
-              <a:t>11/2/2022</a:t>
+              <a:t>12/12/2022</a:t>
             </a:fld>
             <a:endParaRPr lang="en-US"/>
           </a:p>
@@ -2924,7 +2924,7 @@
             <a:fld id="{1D8BD707-D9CF-40AE-B4C6-C98DA3205C09}" type="datetimeFigureOut">
               <a:rPr lang="en-US" smtClean="0"/>
               <a:pPr/>
-              <a:t>11/2/2022</a:t>
+              <a:t>12/12/2022</a:t>
             </a:fld>
             <a:endParaRPr lang="en-US"/>
           </a:p>
@@ -3141,7 +3141,7 @@
             <a:fld id="{1D8BD707-D9CF-40AE-B4C6-C98DA3205C09}" type="datetimeFigureOut">
               <a:rPr lang="en-US" smtClean="0"/>
               <a:pPr/>
-              <a:t>11/2/2022</a:t>
+              <a:t>12/12/2022</a:t>
             </a:fld>
             <a:endParaRPr lang="en-US"/>
           </a:p>
